--- a/resources/Solution.pptx
+++ b/resources/Solution.pptx
@@ -18,7 +18,7 @@
     <p:sldId id="263" r:id="rId9"/>
   </p:sldIdLst>
   <p:sldSz cx="12192000" cy="6858000"/>
-  <p:notesSz cx="6858000" cy="9144000"/>
+  <p:notesSz cx="7010400" cy="9296400"/>
   <p:defaultTextStyle>
     <a:defPPr>
       <a:defRPr lang="en-US"/>
@@ -114,6 +114,11 @@
       </a:defRPr>
     </a:lvl9pPr>
   </p:defaultTextStyle>
+  <p:extLst>
+    <p:ext uri="{EFAFB233-063F-42B5-8137-9DF3F51BA10A}">
+      <p15:sldGuideLst xmlns:p15="http://schemas.microsoft.com/office/powerpoint/2012/main"/>
+    </p:ext>
+  </p:extLst>
 </p:presentation>
 </file>
 
@@ -152,14 +157,14 @@
         <p:spPr>
           <a:xfrm>
             <a:off x="0" y="0"/>
-            <a:ext cx="2971800" cy="458788"/>
+            <a:ext cx="3037840" cy="466434"/>
           </a:xfrm>
           <a:prstGeom prst="rect">
             <a:avLst/>
           </a:prstGeom>
         </p:spPr>
         <p:txBody>
-          <a:bodyPr vert="horz" lIns="91440" tIns="45720" rIns="91440" bIns="45720" rtlCol="0"/>
+          <a:bodyPr vert="horz" lIns="93177" tIns="46589" rIns="93177" bIns="46589" rtlCol="0"/>
           <a:lstStyle>
             <a:lvl1pPr algn="l">
               <a:defRPr sz="1200"/>
@@ -182,15 +187,15 @@
         </p:nvSpPr>
         <p:spPr>
           <a:xfrm>
-            <a:off x="3884613" y="0"/>
-            <a:ext cx="2971800" cy="458788"/>
+            <a:off x="3970938" y="0"/>
+            <a:ext cx="3037840" cy="466434"/>
           </a:xfrm>
           <a:prstGeom prst="rect">
             <a:avLst/>
           </a:prstGeom>
         </p:spPr>
         <p:txBody>
-          <a:bodyPr vert="horz" lIns="91440" tIns="45720" rIns="91440" bIns="45720" rtlCol="0"/>
+          <a:bodyPr vert="horz" lIns="93177" tIns="46589" rIns="93177" bIns="46589" rtlCol="0"/>
           <a:lstStyle>
             <a:lvl1pPr algn="r">
               <a:defRPr sz="1200"/>
@@ -199,7 +204,7 @@
           <a:p>
             <a:fld id="{EFA55786-1637-449F-8371-A96155F7AD84}" type="datetimeFigureOut">
               <a:rPr lang="en-US" smtClean="0"/>
-              <a:t>2/16/2020</a:t>
+              <a:t>2/17/2020</a:t>
             </a:fld>
             <a:endParaRPr lang="en-US"/>
           </a:p>
@@ -217,8 +222,8 @@
         </p:nvSpPr>
         <p:spPr>
           <a:xfrm>
-            <a:off x="685800" y="1143000"/>
-            <a:ext cx="5486400" cy="3086100"/>
+            <a:off x="717550" y="1162050"/>
+            <a:ext cx="5575300" cy="3136900"/>
           </a:xfrm>
           <a:prstGeom prst="rect">
             <a:avLst/>
@@ -231,7 +236,7 @@
           </a:ln>
         </p:spPr>
         <p:txBody>
-          <a:bodyPr vert="horz" lIns="91440" tIns="45720" rIns="91440" bIns="45720" rtlCol="0" anchor="ctr"/>
+          <a:bodyPr vert="horz" lIns="93177" tIns="46589" rIns="93177" bIns="46589" rtlCol="0" anchor="ctr"/>
           <a:lstStyle/>
           <a:p>
             <a:endParaRPr lang="en-US"/>
@@ -250,15 +255,15 @@
         </p:nvSpPr>
         <p:spPr>
           <a:xfrm>
-            <a:off x="685800" y="4400550"/>
-            <a:ext cx="5486400" cy="3600450"/>
+            <a:off x="701040" y="4473892"/>
+            <a:ext cx="5608320" cy="3660458"/>
           </a:xfrm>
           <a:prstGeom prst="rect">
             <a:avLst/>
           </a:prstGeom>
         </p:spPr>
         <p:txBody>
-          <a:bodyPr vert="horz" lIns="91440" tIns="45720" rIns="91440" bIns="45720" rtlCol="0"/>
+          <a:bodyPr vert="horz" lIns="93177" tIns="46589" rIns="93177" bIns="46589" rtlCol="0"/>
           <a:lstStyle/>
           <a:p>
             <a:pPr lvl="0"/>
@@ -309,15 +314,15 @@
         </p:nvSpPr>
         <p:spPr>
           <a:xfrm>
-            <a:off x="0" y="8685213"/>
-            <a:ext cx="2971800" cy="458787"/>
+            <a:off x="0" y="8829967"/>
+            <a:ext cx="3037840" cy="466433"/>
           </a:xfrm>
           <a:prstGeom prst="rect">
             <a:avLst/>
           </a:prstGeom>
         </p:spPr>
         <p:txBody>
-          <a:bodyPr vert="horz" lIns="91440" tIns="45720" rIns="91440" bIns="45720" rtlCol="0" anchor="b"/>
+          <a:bodyPr vert="horz" lIns="93177" tIns="46589" rIns="93177" bIns="46589" rtlCol="0" anchor="b"/>
           <a:lstStyle>
             <a:lvl1pPr algn="l">
               <a:defRPr sz="1200"/>
@@ -340,15 +345,15 @@
         </p:nvSpPr>
         <p:spPr>
           <a:xfrm>
-            <a:off x="3884613" y="8685213"/>
-            <a:ext cx="2971800" cy="458787"/>
+            <a:off x="3970938" y="8829967"/>
+            <a:ext cx="3037840" cy="466433"/>
           </a:xfrm>
           <a:prstGeom prst="rect">
             <a:avLst/>
           </a:prstGeom>
         </p:spPr>
         <p:txBody>
-          <a:bodyPr vert="horz" lIns="91440" tIns="45720" rIns="91440" bIns="45720" rtlCol="0" anchor="b"/>
+          <a:bodyPr vert="horz" lIns="93177" tIns="46589" rIns="93177" bIns="46589" rtlCol="0" anchor="b"/>
           <a:lstStyle>
             <a:lvl1pPr algn="r">
               <a:defRPr sz="1200"/>
@@ -613,7 +618,7 @@
           <a:p>
             <a:fld id="{87341A53-8818-4D26-BAF9-B6CE36A00F5A}" type="datetime1">
               <a:rPr lang="en-US" smtClean="0"/>
-              <a:t>2/16/2020</a:t>
+              <a:t>2/17/2020</a:t>
             </a:fld>
             <a:endParaRPr lang="en-US"/>
           </a:p>
@@ -811,7 +816,7 @@
           <a:p>
             <a:fld id="{2E4B8883-BF2C-43C4-AD6A-1950EBF43A7A}" type="datetime1">
               <a:rPr lang="en-US" smtClean="0"/>
-              <a:t>2/16/2020</a:t>
+              <a:t>2/17/2020</a:t>
             </a:fld>
             <a:endParaRPr lang="en-US"/>
           </a:p>
@@ -1019,7 +1024,7 @@
           <a:p>
             <a:fld id="{25BF78E6-6685-4AC1-958F-1297860CFD82}" type="datetime1">
               <a:rPr lang="en-US" smtClean="0"/>
-              <a:t>2/16/2020</a:t>
+              <a:t>2/17/2020</a:t>
             </a:fld>
             <a:endParaRPr lang="en-US"/>
           </a:p>
@@ -1217,7 +1222,7 @@
           <a:p>
             <a:fld id="{DF731065-73EF-4024-BF9B-B05EE038FCEB}" type="datetime1">
               <a:rPr lang="en-US" smtClean="0"/>
-              <a:t>2/16/2020</a:t>
+              <a:t>2/17/2020</a:t>
             </a:fld>
             <a:endParaRPr lang="en-US"/>
           </a:p>
@@ -1492,7 +1497,7 @@
           <a:p>
             <a:fld id="{344F28F8-4F22-4CAF-9DD8-6738EF16796F}" type="datetime1">
               <a:rPr lang="en-US" smtClean="0"/>
-              <a:t>2/16/2020</a:t>
+              <a:t>2/17/2020</a:t>
             </a:fld>
             <a:endParaRPr lang="en-US"/>
           </a:p>
@@ -1757,7 +1762,7 @@
           <a:p>
             <a:fld id="{ECBDD82C-E99B-471A-9E73-CA84FA33B596}" type="datetime1">
               <a:rPr lang="en-US" smtClean="0"/>
-              <a:t>2/16/2020</a:t>
+              <a:t>2/17/2020</a:t>
             </a:fld>
             <a:endParaRPr lang="en-US"/>
           </a:p>
@@ -2169,7 +2174,7 @@
           <a:p>
             <a:fld id="{C370FB4B-6BB4-4207-BF6B-1BE64EB15080}" type="datetime1">
               <a:rPr lang="en-US" smtClean="0"/>
-              <a:t>2/16/2020</a:t>
+              <a:t>2/17/2020</a:t>
             </a:fld>
             <a:endParaRPr lang="en-US"/>
           </a:p>
@@ -2310,7 +2315,7 @@
           <a:p>
             <a:fld id="{4C5A6346-562A-4E04-A337-59659C65AE2E}" type="datetime1">
               <a:rPr lang="en-US" smtClean="0"/>
-              <a:t>2/16/2020</a:t>
+              <a:t>2/17/2020</a:t>
             </a:fld>
             <a:endParaRPr lang="en-US"/>
           </a:p>
@@ -2423,7 +2428,7 @@
           <a:p>
             <a:fld id="{1686C3FA-EB8E-4857-8330-F7DB220F4B59}" type="datetime1">
               <a:rPr lang="en-US" smtClean="0"/>
-              <a:t>2/16/2020</a:t>
+              <a:t>2/17/2020</a:t>
             </a:fld>
             <a:endParaRPr lang="en-US"/>
           </a:p>
@@ -2734,7 +2739,7 @@
           <a:p>
             <a:fld id="{A248CA50-733B-4788-B876-090DE11D7852}" type="datetime1">
               <a:rPr lang="en-US" smtClean="0"/>
-              <a:t>2/16/2020</a:t>
+              <a:t>2/17/2020</a:t>
             </a:fld>
             <a:endParaRPr lang="en-US"/>
           </a:p>
@@ -3022,7 +3027,7 @@
           <a:p>
             <a:fld id="{57A4D805-8ADF-4299-8BA9-D7501A711CF5}" type="datetime1">
               <a:rPr lang="en-US" smtClean="0"/>
-              <a:t>2/16/2020</a:t>
+              <a:t>2/17/2020</a:t>
             </a:fld>
             <a:endParaRPr lang="en-US"/>
           </a:p>
@@ -3263,7 +3268,7 @@
           <a:p>
             <a:fld id="{D33B9F6B-0F82-4058-8B59-91157CF35478}" type="datetime1">
               <a:rPr lang="en-US" smtClean="0"/>
-              <a:t>2/16/2020</a:t>
+              <a:t>2/17/2020</a:t>
             </a:fld>
             <a:endParaRPr lang="en-US"/>
           </a:p>
@@ -3704,7 +3709,7 @@
           <a:p>
             <a:r>
               <a:rPr lang="en-US" dirty="0"/>
-              <a:t>Class Example: Search Algorithms</a:t>
+              <a:t>Search Algorithms by Example</a:t>
             </a:r>
           </a:p>
         </p:txBody>
@@ -3730,7 +3735,16 @@
           <a:bodyPr/>
           <a:lstStyle/>
           <a:p>
-            <a:endParaRPr lang="en-US"/>
+            <a:r>
+              <a:rPr lang="en-US"/>
+              <a:t>MIS 464</a:t>
+            </a:r>
+          </a:p>
+          <a:p>
+            <a:r>
+              <a:rPr lang="en-US" dirty="0"/>
+              <a:t>Dr. Chen, February 2020</a:t>
+            </a:r>
           </a:p>
         </p:txBody>
       </p:sp>

--- a/resources/Solution.pptx
+++ b/resources/Solution.pptx
@@ -3709,7 +3709,7 @@
           <a:p>
             <a:r>
               <a:rPr lang="en-US" dirty="0"/>
-              <a:t>Search Algorithms by Example</a:t>
+              <a:t>Search Algorithms with Examples</a:t>
             </a:r>
           </a:p>
         </p:txBody>
